--- a/soutenance/slides.pptx
+++ b/soutenance/slides.pptx
@@ -10,6 +10,8 @@
     <p:sldId id="258" r:id="rId4"/>
     <p:sldId id="259" r:id="rId5"/>
     <p:sldId id="260" r:id="rId6"/>
+    <p:sldId id="261" r:id="rId7"/>
+    <p:sldId id="262" r:id="rId8"/>
   </p:sldIdLst>
   <p:sldSz cx="12192000" cy="6858000"/>
   <p:notesSz cx="6858000" cy="9144000"/>
@@ -3504,7 +3506,23 @@
             </a:pPr>
             <a:r>
               <a:rPr lang="fr-FR" dirty="0"/>
-              <a:t>Source (unique) : API France Travail </a:t>
+              <a:t>Source (unique) : API France Travail (+ data </a:t>
+            </a:r>
+            <a:r>
+              <a:rPr lang="fr-FR" dirty="0" err="1"/>
+              <a:t>gouv</a:t>
+            </a:r>
+            <a:r>
+              <a:rPr lang="fr-FR" dirty="0"/>
+              <a:t> &amp; </a:t>
+            </a:r>
+            <a:r>
+              <a:rPr lang="fr-FR" dirty="0" err="1"/>
+              <a:t>insee</a:t>
+            </a:r>
+            <a:r>
+              <a:rPr lang="fr-FR" dirty="0"/>
+              <a:t> pour les données de localisation)</a:t>
             </a:r>
           </a:p>
           <a:p>
@@ -3822,12 +3840,8 @@
               <a:buChar char="-"/>
             </a:pPr>
             <a:r>
-              <a:rPr lang="fr-FR" dirty="0" err="1"/>
-              <a:t>db</a:t>
-            </a:r>
-            <a:r>
               <a:rPr lang="fr-FR" dirty="0"/>
-              <a:t> </a:t>
+              <a:t>SGBD : </a:t>
             </a:r>
             <a:r>
               <a:rPr lang="fr-FR" dirty="0" err="1"/>
@@ -4058,6 +4072,423 @@
     <p:extLst>
       <p:ext uri="{BB962C8B-B14F-4D97-AF65-F5344CB8AC3E}">
         <p14:creationId xmlns:p14="http://schemas.microsoft.com/office/powerpoint/2010/main" val="825239436"/>
+      </p:ext>
+    </p:extLst>
+  </p:cSld>
+  <p:clrMapOvr>
+    <a:masterClrMapping/>
+  </p:clrMapOvr>
+</p:sld>
+</file>
+
+<file path=ppt/slides/slide6.xml><?xml version="1.0" encoding="utf-8"?>
+<p:sld xmlns:a="http://schemas.openxmlformats.org/drawingml/2006/main" xmlns:r="http://schemas.openxmlformats.org/officeDocument/2006/relationships" xmlns:p="http://schemas.openxmlformats.org/presentationml/2006/main">
+  <p:cSld>
+    <p:spTree>
+      <p:nvGrpSpPr>
+        <p:cNvPr id="1" name="">
+          <a:extLst>
+            <a:ext uri="{FF2B5EF4-FFF2-40B4-BE49-F238E27FC236}">
+              <a16:creationId xmlns:a16="http://schemas.microsoft.com/office/drawing/2014/main" id="{890ADE3A-8658-2F41-E52D-9F755540955B}"/>
+            </a:ext>
+          </a:extLst>
+        </p:cNvPr>
+        <p:cNvGrpSpPr/>
+        <p:nvPr/>
+      </p:nvGrpSpPr>
+      <p:grpSpPr>
+        <a:xfrm>
+          <a:off x="0" y="0"/>
+          <a:ext cx="0" cy="0"/>
+          <a:chOff x="0" y="0"/>
+          <a:chExt cx="0" cy="0"/>
+        </a:xfrm>
+      </p:grpSpPr>
+      <p:sp>
+        <p:nvSpPr>
+          <p:cNvPr id="5" name="Sous-titre 4">
+            <a:extLst>
+              <a:ext uri="{FF2B5EF4-FFF2-40B4-BE49-F238E27FC236}">
+                <a16:creationId xmlns:a16="http://schemas.microsoft.com/office/drawing/2014/main" id="{3918A7AA-752B-19B3-987B-A9151E45857A}"/>
+              </a:ext>
+            </a:extLst>
+          </p:cNvPr>
+          <p:cNvSpPr>
+            <a:spLocks noGrp="1"/>
+          </p:cNvSpPr>
+          <p:nvPr>
+            <p:ph type="subTitle" idx="1"/>
+          </p:nvPr>
+        </p:nvSpPr>
+        <p:spPr>
+          <a:xfrm>
+            <a:off x="599110" y="1113311"/>
+            <a:ext cx="9906000" cy="4023360"/>
+          </a:xfrm>
+        </p:spPr>
+        <p:txBody>
+          <a:bodyPr/>
+          <a:lstStyle/>
+          <a:p>
+            <a:pPr marL="342900" indent="-342900" algn="l">
+              <a:buFontTx/>
+              <a:buChar char="-"/>
+            </a:pPr>
+            <a:r>
+              <a:rPr lang="en-US" dirty="0"/>
+              <a:t>Airflow</a:t>
+            </a:r>
+          </a:p>
+          <a:p>
+            <a:pPr marL="342900" indent="-342900" algn="l">
+              <a:buFontTx/>
+              <a:buChar char="-"/>
+            </a:pPr>
+            <a:r>
+              <a:rPr lang="en-US" dirty="0" err="1"/>
+              <a:t>FastAPI</a:t>
+            </a:r>
+            <a:endParaRPr lang="en-US" dirty="0"/>
+          </a:p>
+          <a:p>
+            <a:pPr marL="342900" indent="-342900" algn="l">
+              <a:buFontTx/>
+              <a:buChar char="-"/>
+            </a:pPr>
+            <a:r>
+              <a:rPr lang="en-US" dirty="0"/>
+              <a:t>Power BI</a:t>
+            </a:r>
+          </a:p>
+          <a:p>
+            <a:pPr marL="342900" indent="-342900" algn="l">
+              <a:buFontTx/>
+              <a:buChar char="-"/>
+            </a:pPr>
+            <a:r>
+              <a:rPr lang="en-US" dirty="0"/>
+              <a:t>Monitoring (Prometheus/Grafana)</a:t>
+            </a:r>
+            <a:endParaRPr lang="fr-FR" sz="2400" dirty="0"/>
+          </a:p>
+        </p:txBody>
+      </p:sp>
+      <p:sp>
+        <p:nvSpPr>
+          <p:cNvPr id="3" name="Titre 1">
+            <a:extLst>
+              <a:ext uri="{FF2B5EF4-FFF2-40B4-BE49-F238E27FC236}">
+                <a16:creationId xmlns:a16="http://schemas.microsoft.com/office/drawing/2014/main" id="{D01454D6-6003-1F74-92B3-E6CCB13F04A4}"/>
+              </a:ext>
+            </a:extLst>
+          </p:cNvPr>
+          <p:cNvSpPr txBox="1">
+            <a:spLocks/>
+          </p:cNvSpPr>
+          <p:nvPr/>
+        </p:nvSpPr>
+        <p:spPr>
+          <a:xfrm>
+            <a:off x="360423" y="121726"/>
+            <a:ext cx="11262360" cy="697674"/>
+          </a:xfrm>
+          <a:prstGeom prst="rect">
+            <a:avLst/>
+          </a:prstGeom>
+        </p:spPr>
+        <p:txBody>
+          <a:bodyPr vert="horz" lIns="91440" tIns="45720" rIns="91440" bIns="45720" rtlCol="0" anchor="ctr">
+            <a:normAutofit/>
+          </a:bodyPr>
+          <a:lstStyle>
+            <a:lvl1pPr algn="ctr" defTabSz="914400" rtl="0" eaLnBrk="1" latinLnBrk="0" hangingPunct="1">
+              <a:lnSpc>
+                <a:spcPct val="90000"/>
+              </a:lnSpc>
+              <a:spcBef>
+                <a:spcPct val="0"/>
+              </a:spcBef>
+              <a:buNone/>
+              <a:defRPr sz="6000" kern="1200">
+                <a:solidFill>
+                  <a:schemeClr val="tx1"/>
+                </a:solidFill>
+                <a:latin typeface="+mj-lt"/>
+                <a:ea typeface="+mj-ea"/>
+                <a:cs typeface="+mj-cs"/>
+              </a:defRPr>
+            </a:lvl1pPr>
+          </a:lstStyle>
+          <a:p>
+            <a:pPr algn="l"/>
+            <a:r>
+              <a:rPr lang="fr-FR" sz="3600" b="1" u="sng" dirty="0"/>
+              <a:t>5. </a:t>
+            </a:r>
+            <a:r>
+              <a:rPr lang="fr-FR" sz="3600" b="1" u="sng" dirty="0" err="1"/>
+              <a:t>Demo</a:t>
+            </a:r>
+            <a:endParaRPr lang="fr-FR" sz="3600" b="1" u="sng" dirty="0"/>
+          </a:p>
+        </p:txBody>
+      </p:sp>
+    </p:spTree>
+    <p:extLst>
+      <p:ext uri="{BB962C8B-B14F-4D97-AF65-F5344CB8AC3E}">
+        <p14:creationId xmlns:p14="http://schemas.microsoft.com/office/powerpoint/2010/main" val="3047329949"/>
+      </p:ext>
+    </p:extLst>
+  </p:cSld>
+  <p:clrMapOvr>
+    <a:masterClrMapping/>
+  </p:clrMapOvr>
+</p:sld>
+</file>
+
+<file path=ppt/slides/slide7.xml><?xml version="1.0" encoding="utf-8"?>
+<p:sld xmlns:a="http://schemas.openxmlformats.org/drawingml/2006/main" xmlns:r="http://schemas.openxmlformats.org/officeDocument/2006/relationships" xmlns:p="http://schemas.openxmlformats.org/presentationml/2006/main">
+  <p:cSld>
+    <p:spTree>
+      <p:nvGrpSpPr>
+        <p:cNvPr id="1" name="">
+          <a:extLst>
+            <a:ext uri="{FF2B5EF4-FFF2-40B4-BE49-F238E27FC236}">
+              <a16:creationId xmlns:a16="http://schemas.microsoft.com/office/drawing/2014/main" id="{D993A4E9-03CE-B2E4-7130-9EA190CE7FFF}"/>
+            </a:ext>
+          </a:extLst>
+        </p:cNvPr>
+        <p:cNvGrpSpPr/>
+        <p:nvPr/>
+      </p:nvGrpSpPr>
+      <p:grpSpPr>
+        <a:xfrm>
+          <a:off x="0" y="0"/>
+          <a:ext cx="0" cy="0"/>
+          <a:chOff x="0" y="0"/>
+          <a:chExt cx="0" cy="0"/>
+        </a:xfrm>
+      </p:grpSpPr>
+      <p:sp>
+        <p:nvSpPr>
+          <p:cNvPr id="5" name="Sous-titre 4">
+            <a:extLst>
+              <a:ext uri="{FF2B5EF4-FFF2-40B4-BE49-F238E27FC236}">
+                <a16:creationId xmlns:a16="http://schemas.microsoft.com/office/drawing/2014/main" id="{5AC0D2BF-5710-B76B-5380-28AC67ED4D10}"/>
+              </a:ext>
+            </a:extLst>
+          </p:cNvPr>
+          <p:cNvSpPr>
+            <a:spLocks noGrp="1"/>
+          </p:cNvSpPr>
+          <p:nvPr>
+            <p:ph type="subTitle" idx="1"/>
+          </p:nvPr>
+        </p:nvSpPr>
+        <p:spPr>
+          <a:xfrm>
+            <a:off x="599110" y="1113311"/>
+            <a:ext cx="9906000" cy="5047344"/>
+          </a:xfrm>
+        </p:spPr>
+        <p:txBody>
+          <a:bodyPr>
+            <a:normAutofit/>
+          </a:bodyPr>
+          <a:lstStyle/>
+          <a:p>
+            <a:pPr marL="342900" indent="-342900" algn="l">
+              <a:buFontTx/>
+              <a:buChar char="-"/>
+            </a:pPr>
+            <a:r>
+              <a:rPr lang="en-US" dirty="0" err="1"/>
+              <a:t>Projet</a:t>
+            </a:r>
+            <a:r>
+              <a:rPr lang="en-US" dirty="0"/>
+              <a:t> </a:t>
+            </a:r>
+            <a:r>
+              <a:rPr lang="en-US" dirty="0" err="1"/>
+              <a:t>concret</a:t>
+            </a:r>
+            <a:r>
+              <a:rPr lang="en-US" dirty="0"/>
+              <a:t> avec applications</a:t>
+            </a:r>
+          </a:p>
+          <a:p>
+            <a:pPr marL="342900" indent="-342900" algn="l">
+              <a:buFontTx/>
+              <a:buChar char="-"/>
+            </a:pPr>
+            <a:endParaRPr lang="en-US" sz="2400" dirty="0"/>
+          </a:p>
+          <a:p>
+            <a:pPr marL="342900" indent="-342900" algn="l">
+              <a:buFontTx/>
+              <a:buChar char="-"/>
+            </a:pPr>
+            <a:r>
+              <a:rPr lang="fr-FR" dirty="0"/>
+              <a:t>Axes améliorations :</a:t>
+            </a:r>
+          </a:p>
+          <a:p>
+            <a:pPr marL="800100" lvl="1" indent="-342900" algn="l">
+              <a:buFontTx/>
+              <a:buChar char="-"/>
+            </a:pPr>
+            <a:r>
+              <a:rPr lang="fr-FR" dirty="0" err="1"/>
+              <a:t>alert</a:t>
+            </a:r>
+            <a:r>
+              <a:rPr lang="fr-FR" dirty="0"/>
+              <a:t> manager</a:t>
+            </a:r>
+          </a:p>
+          <a:p>
+            <a:pPr marL="800100" lvl="1" indent="-342900" algn="l">
+              <a:buFontTx/>
+              <a:buChar char="-"/>
+            </a:pPr>
+            <a:r>
+              <a:rPr lang="fr-FR" dirty="0" err="1"/>
+              <a:t>github</a:t>
+            </a:r>
+            <a:r>
+              <a:rPr lang="fr-FR" dirty="0"/>
+              <a:t> actions (dossier .workflow)</a:t>
+            </a:r>
+          </a:p>
+          <a:p>
+            <a:pPr marL="800100" lvl="1" indent="-342900" algn="l">
+              <a:buFontTx/>
+              <a:buChar char="-"/>
+            </a:pPr>
+            <a:r>
+              <a:rPr lang="fr-FR" dirty="0" err="1"/>
+              <a:t>Pytest</a:t>
+            </a:r>
+            <a:endParaRPr lang="fr-FR" dirty="0"/>
+          </a:p>
+          <a:p>
+            <a:pPr marL="800100" lvl="1" indent="-342900" algn="l">
+              <a:buFontTx/>
+              <a:buChar char="-"/>
+            </a:pPr>
+            <a:r>
+              <a:rPr lang="fr-FR" dirty="0" err="1"/>
+              <a:t>Dbt</a:t>
+            </a:r>
+            <a:endParaRPr lang="fr-FR" dirty="0"/>
+          </a:p>
+          <a:p>
+            <a:pPr marL="800100" lvl="1" indent="-342900" algn="l">
+              <a:buFontTx/>
+              <a:buChar char="-"/>
+            </a:pPr>
+            <a:endParaRPr lang="fr-FR" dirty="0"/>
+          </a:p>
+          <a:p>
+            <a:pPr marL="342900" indent="-342900" algn="l">
+              <a:buFontTx/>
+              <a:buChar char="-"/>
+            </a:pPr>
+            <a:r>
+              <a:rPr lang="fr-FR" dirty="0"/>
+              <a:t>Merci à </a:t>
+            </a:r>
+            <a:r>
+              <a:rPr lang="fr-FR" b="1" dirty="0"/>
+              <a:t>Antoine </a:t>
+            </a:r>
+            <a:r>
+              <a:rPr lang="fr-FR" b="1" dirty="0" err="1"/>
+              <a:t>Fradin</a:t>
+            </a:r>
+            <a:endParaRPr lang="fr-FR" b="1" dirty="0"/>
+          </a:p>
+          <a:p>
+            <a:pPr marL="342900" indent="-342900" algn="l">
+              <a:buFontTx/>
+              <a:buChar char="-"/>
+            </a:pPr>
+            <a:endParaRPr lang="fr-FR" dirty="0"/>
+          </a:p>
+          <a:p>
+            <a:pPr marL="342900" indent="-342900" algn="l">
+              <a:buFontTx/>
+              <a:buChar char="-"/>
+            </a:pPr>
+            <a:r>
+              <a:rPr lang="fr-FR" dirty="0"/>
+              <a:t>Questions ?</a:t>
+            </a:r>
+          </a:p>
+        </p:txBody>
+      </p:sp>
+      <p:sp>
+        <p:nvSpPr>
+          <p:cNvPr id="3" name="Titre 1">
+            <a:extLst>
+              <a:ext uri="{FF2B5EF4-FFF2-40B4-BE49-F238E27FC236}">
+                <a16:creationId xmlns:a16="http://schemas.microsoft.com/office/drawing/2014/main" id="{5E9DB751-6BA2-7A52-AB8D-F0C45B9A162A}"/>
+              </a:ext>
+            </a:extLst>
+          </p:cNvPr>
+          <p:cNvSpPr txBox="1">
+            <a:spLocks/>
+          </p:cNvSpPr>
+          <p:nvPr/>
+        </p:nvSpPr>
+        <p:spPr>
+          <a:xfrm>
+            <a:off x="360423" y="121726"/>
+            <a:ext cx="11262360" cy="697674"/>
+          </a:xfrm>
+          <a:prstGeom prst="rect">
+            <a:avLst/>
+          </a:prstGeom>
+        </p:spPr>
+        <p:txBody>
+          <a:bodyPr vert="horz" lIns="91440" tIns="45720" rIns="91440" bIns="45720" rtlCol="0" anchor="ctr">
+            <a:normAutofit/>
+          </a:bodyPr>
+          <a:lstStyle>
+            <a:lvl1pPr algn="ctr" defTabSz="914400" rtl="0" eaLnBrk="1" latinLnBrk="0" hangingPunct="1">
+              <a:lnSpc>
+                <a:spcPct val="90000"/>
+              </a:lnSpc>
+              <a:spcBef>
+                <a:spcPct val="0"/>
+              </a:spcBef>
+              <a:buNone/>
+              <a:defRPr sz="6000" kern="1200">
+                <a:solidFill>
+                  <a:schemeClr val="tx1"/>
+                </a:solidFill>
+                <a:latin typeface="+mj-lt"/>
+                <a:ea typeface="+mj-ea"/>
+                <a:cs typeface="+mj-cs"/>
+              </a:defRPr>
+            </a:lvl1pPr>
+          </a:lstStyle>
+          <a:p>
+            <a:pPr algn="l"/>
+            <a:r>
+              <a:rPr lang="fr-FR" sz="3600" b="1" u="sng" dirty="0"/>
+              <a:t>6. Conclusion</a:t>
+            </a:r>
+          </a:p>
+        </p:txBody>
+      </p:sp>
+    </p:spTree>
+    <p:extLst>
+      <p:ext uri="{BB962C8B-B14F-4D97-AF65-F5344CB8AC3E}">
+        <p14:creationId xmlns:p14="http://schemas.microsoft.com/office/powerpoint/2010/main" val="1944812412"/>
       </p:ext>
     </p:extLst>
   </p:cSld>
